--- a/RETEX/projet lowatem.pptx
+++ b/RETEX/projet lowatem.pptx
@@ -241,7 +241,7 @@
           <a:p>
             <a:fld id="{CB44C220-8036-4CA1-9847-CBEE47DB7BC6}" type="datetimeFigureOut">
               <a:rPr lang="fr-FR" smtClean="0"/>
-              <a:t>10/04/2022</a:t>
+              <a:t>12/04/2022</a:t>
             </a:fld>
             <a:endParaRPr lang="fr-FR"/>
           </a:p>
@@ -409,7 +409,7 @@
           <a:p>
             <a:fld id="{CB44C220-8036-4CA1-9847-CBEE47DB7BC6}" type="datetimeFigureOut">
               <a:rPr lang="fr-FR" smtClean="0"/>
-              <a:t>10/04/2022</a:t>
+              <a:t>12/04/2022</a:t>
             </a:fld>
             <a:endParaRPr lang="fr-FR"/>
           </a:p>
@@ -587,7 +587,7 @@
           <a:p>
             <a:fld id="{CB44C220-8036-4CA1-9847-CBEE47DB7BC6}" type="datetimeFigureOut">
               <a:rPr lang="fr-FR" smtClean="0"/>
-              <a:t>10/04/2022</a:t>
+              <a:t>12/04/2022</a:t>
             </a:fld>
             <a:endParaRPr lang="fr-FR"/>
           </a:p>
@@ -755,7 +755,7 @@
           <a:p>
             <a:fld id="{CB44C220-8036-4CA1-9847-CBEE47DB7BC6}" type="datetimeFigureOut">
               <a:rPr lang="fr-FR" smtClean="0"/>
-              <a:t>10/04/2022</a:t>
+              <a:t>12/04/2022</a:t>
             </a:fld>
             <a:endParaRPr lang="fr-FR"/>
           </a:p>
@@ -1000,7 +1000,7 @@
           <a:p>
             <a:fld id="{CB44C220-8036-4CA1-9847-CBEE47DB7BC6}" type="datetimeFigureOut">
               <a:rPr lang="fr-FR" smtClean="0"/>
-              <a:t>10/04/2022</a:t>
+              <a:t>12/04/2022</a:t>
             </a:fld>
             <a:endParaRPr lang="fr-FR"/>
           </a:p>
@@ -1229,7 +1229,7 @@
           <a:p>
             <a:fld id="{CB44C220-8036-4CA1-9847-CBEE47DB7BC6}" type="datetimeFigureOut">
               <a:rPr lang="fr-FR" smtClean="0"/>
-              <a:t>10/04/2022</a:t>
+              <a:t>12/04/2022</a:t>
             </a:fld>
             <a:endParaRPr lang="fr-FR"/>
           </a:p>
@@ -1593,7 +1593,7 @@
           <a:p>
             <a:fld id="{CB44C220-8036-4CA1-9847-CBEE47DB7BC6}" type="datetimeFigureOut">
               <a:rPr lang="fr-FR" smtClean="0"/>
-              <a:t>10/04/2022</a:t>
+              <a:t>12/04/2022</a:t>
             </a:fld>
             <a:endParaRPr lang="fr-FR"/>
           </a:p>
@@ -1710,7 +1710,7 @@
           <a:p>
             <a:fld id="{CB44C220-8036-4CA1-9847-CBEE47DB7BC6}" type="datetimeFigureOut">
               <a:rPr lang="fr-FR" smtClean="0"/>
-              <a:t>10/04/2022</a:t>
+              <a:t>12/04/2022</a:t>
             </a:fld>
             <a:endParaRPr lang="fr-FR"/>
           </a:p>
@@ -1805,7 +1805,7 @@
           <a:p>
             <a:fld id="{CB44C220-8036-4CA1-9847-CBEE47DB7BC6}" type="datetimeFigureOut">
               <a:rPr lang="fr-FR" smtClean="0"/>
-              <a:t>10/04/2022</a:t>
+              <a:t>12/04/2022</a:t>
             </a:fld>
             <a:endParaRPr lang="fr-FR"/>
           </a:p>
@@ -2080,7 +2080,7 @@
           <a:p>
             <a:fld id="{CB44C220-8036-4CA1-9847-CBEE47DB7BC6}" type="datetimeFigureOut">
               <a:rPr lang="fr-FR" smtClean="0"/>
-              <a:t>10/04/2022</a:t>
+              <a:t>12/04/2022</a:t>
             </a:fld>
             <a:endParaRPr lang="fr-FR"/>
           </a:p>
@@ -2332,7 +2332,7 @@
           <a:p>
             <a:fld id="{CB44C220-8036-4CA1-9847-CBEE47DB7BC6}" type="datetimeFigureOut">
               <a:rPr lang="fr-FR" smtClean="0"/>
-              <a:t>10/04/2022</a:t>
+              <a:t>12/04/2022</a:t>
             </a:fld>
             <a:endParaRPr lang="fr-FR"/>
           </a:p>
@@ -2543,7 +2543,7 @@
           <a:p>
             <a:fld id="{CB44C220-8036-4CA1-9847-CBEE47DB7BC6}" type="datetimeFigureOut">
               <a:rPr lang="fr-FR" smtClean="0"/>
-              <a:t>10/04/2022</a:t>
+              <a:t>12/04/2022</a:t>
             </a:fld>
             <a:endParaRPr lang="fr-FR"/>
           </a:p>
@@ -2936,9 +2936,15 @@
   <p:cSld>
     <p:bg>
       <p:bgPr>
-        <a:solidFill>
-          <a:schemeClr val="tx1"/>
-        </a:solidFill>
+        <a:blipFill dpi="0" rotWithShape="1">
+          <a:blip r:embed="rId2">
+            <a:lum/>
+          </a:blip>
+          <a:srcRect/>
+          <a:stretch>
+            <a:fillRect/>
+          </a:stretch>
+        </a:blipFill>
         <a:effectLst/>
       </p:bgPr>
     </p:bg>
@@ -3244,8 +3250,8 @@
         </p:nvSpPr>
         <p:spPr>
           <a:xfrm>
-            <a:off x="21236" y="3586917"/>
-            <a:ext cx="12192002" cy="45719"/>
+            <a:off x="-24483" y="3586917"/>
+            <a:ext cx="12216483" cy="66345"/>
           </a:xfrm>
           <a:prstGeom prst="rect">
             <a:avLst/>
@@ -3291,7 +3297,7 @@
           <p:nvPr/>
         </p:nvPicPr>
         <p:blipFill>
-          <a:blip r:embed="rId2">
+          <a:blip r:embed="rId3">
             <a:extLst>
               <a:ext uri="{28A0092B-C50C-407E-A947-70E740481C1C}">
                 <a14:useLocalDpi xmlns:a14="http://schemas.microsoft.com/office/drawing/2010/main" val="0"/>
@@ -3332,7 +3338,7 @@
           <p:nvPr/>
         </p:nvPicPr>
         <p:blipFill>
-          <a:blip r:embed="rId3" cstate="print">
+          <a:blip r:embed="rId4" cstate="print">
             <a:extLst>
               <a:ext uri="{28A0092B-C50C-407E-A947-70E740481C1C}">
                 <a14:useLocalDpi xmlns:a14="http://schemas.microsoft.com/office/drawing/2010/main" val="0"/>
@@ -3346,8 +3352,8 @@
         </p:blipFill>
         <p:spPr bwMode="auto">
           <a:xfrm>
-            <a:off x="427412" y="3495193"/>
-            <a:ext cx="5237930" cy="3491953"/>
+            <a:off x="21236" y="3914293"/>
+            <a:ext cx="3221875" cy="2147916"/>
           </a:xfrm>
           <a:prstGeom prst="rect">
             <a:avLst/>
@@ -3403,6 +3409,101 @@
           </a:p>
         </p:txBody>
       </p:sp>
+      <p:sp>
+        <p:nvSpPr>
+          <p:cNvPr id="14" name="ZoneTexte 13">
+            <a:extLst>
+              <a:ext uri="{FF2B5EF4-FFF2-40B4-BE49-F238E27FC236}">
+                <a16:creationId xmlns:a16="http://schemas.microsoft.com/office/drawing/2014/main" id="{1069F7B1-9B36-4A96-AE73-0B993525F358}"/>
+              </a:ext>
+            </a:extLst>
+          </p:cNvPr>
+          <p:cNvSpPr txBox="1"/>
+          <p:nvPr/>
+        </p:nvSpPr>
+        <p:spPr>
+          <a:xfrm>
+            <a:off x="6136810" y="863348"/>
+            <a:ext cx="6115574" cy="1200329"/>
+          </a:xfrm>
+          <a:prstGeom prst="rect">
+            <a:avLst/>
+          </a:prstGeom>
+          <a:noFill/>
+        </p:spPr>
+        <p:txBody>
+          <a:bodyPr wrap="square">
+            <a:spAutoFit/>
+          </a:bodyPr>
+          <a:lstStyle/>
+          <a:p>
+            <a:r>
+              <a:rPr lang="fr-FR" dirty="0" smtClean="0">
+                <a:solidFill>
+                  <a:schemeClr val="bg1"/>
+                </a:solidFill>
+              </a:rPr>
+              <a:t>Lors de ce projet nous avons mis en place beaucoup de test unitaire afin d’assurer le bon fonctionnement du jeu.</a:t>
+            </a:r>
+          </a:p>
+          <a:p>
+            <a:r>
+              <a:rPr lang="fr-FR" dirty="0" smtClean="0">
+                <a:solidFill>
+                  <a:schemeClr val="bg1"/>
+                </a:solidFill>
+              </a:rPr>
+              <a:t>Nous avons aussi implémenté des classes afin de contenir les différents aspects du jeu.</a:t>
+            </a:r>
+            <a:endParaRPr lang="fr-FR" dirty="0">
+              <a:solidFill>
+                <a:schemeClr val="bg1"/>
+              </a:solidFill>
+            </a:endParaRPr>
+          </a:p>
+        </p:txBody>
+      </p:sp>
+      <p:pic>
+        <p:nvPicPr>
+          <p:cNvPr id="2" name="Picture 2" descr="NetBeans — Wikipédia"/>
+          <p:cNvPicPr>
+            <a:picLocks noChangeAspect="1" noChangeArrowheads="1"/>
+          </p:cNvPicPr>
+          <p:nvPr/>
+        </p:nvPicPr>
+        <p:blipFill>
+          <a:blip r:embed="rId5" cstate="print">
+            <a:extLst>
+              <a:ext uri="{28A0092B-C50C-407E-A947-70E740481C1C}">
+                <a14:useLocalDpi xmlns:a14="http://schemas.microsoft.com/office/drawing/2010/main" val="0"/>
+              </a:ext>
+            </a:extLst>
+          </a:blip>
+          <a:srcRect/>
+          <a:stretch>
+            <a:fillRect/>
+          </a:stretch>
+        </p:blipFill>
+        <p:spPr bwMode="auto">
+          <a:xfrm>
+            <a:off x="3654604" y="4033909"/>
+            <a:ext cx="2311854" cy="2667302"/>
+          </a:xfrm>
+          <a:prstGeom prst="rect">
+            <a:avLst/>
+          </a:prstGeom>
+          <a:noFill/>
+          <a:extLst>
+            <a:ext uri="{909E8E84-426E-40DD-AFC4-6F175D3DCCD1}">
+              <a14:hiddenFill xmlns:a14="http://schemas.microsoft.com/office/drawing/2010/main">
+                <a:solidFill>
+                  <a:srgbClr val="FFFFFF"/>
+                </a:solidFill>
+              </a14:hiddenFill>
+            </a:ext>
+          </a:extLst>
+        </p:spPr>
+      </p:pic>
     </p:spTree>
     <p:extLst>
       <p:ext uri="{BB962C8B-B14F-4D97-AF65-F5344CB8AC3E}">

--- a/RETEX/projet lowatem.pptx
+++ b/RETEX/projet lowatem.pptx
@@ -3385,7 +3385,7 @@
         <p:spPr>
           <a:xfrm>
             <a:off x="-24483" y="863348"/>
-            <a:ext cx="6115574" cy="2308324"/>
+            <a:ext cx="6115574" cy="1754326"/>
           </a:xfrm>
           <a:prstGeom prst="rect">
             <a:avLst/>
@@ -3404,7 +3404,27 @@
                   <a:schemeClr val="bg1"/>
                 </a:solidFill>
               </a:rPr>
-              <a:t>Au cours de la première partie ce projet nous devions réaliser un jeu de plateau comportant 14 cases de côté, dont les lignes sont dénotées de 'a' à 'n', et les colonnes de 'A' à 'N’. Le principe est que l’on a des petits soldats sur certaines cases et nous pouvions les déplacer horizontalement ou verticalement afin d’infliger des dégâts à l’ennemie, une partie se déroule en 20 tours et celui qui a le plus de points de vies restant gagne la partie.</a:t>
+              <a:t>Au cours de la première partie ce projet nous devions réaliser un jeu de plateau sous Java.</a:t>
+            </a:r>
+          </a:p>
+          <a:p>
+            <a:r>
+              <a:rPr lang="fr-FR" dirty="0">
+                <a:solidFill>
+                  <a:schemeClr val="bg1"/>
+                </a:solidFill>
+              </a:rPr>
+              <a:t>Le codage devait être réalisé en 14 niveaux ou pour chacun nous avions un petit énoncé nous disant quoi faire.</a:t>
+            </a:r>
+          </a:p>
+          <a:p>
+            <a:r>
+              <a:rPr lang="fr-FR" dirty="0">
+                <a:solidFill>
+                  <a:schemeClr val="bg1"/>
+                </a:solidFill>
+              </a:rPr>
+              <a:t>Par la suite nous avons programmé une IA jouant au jeu toute seule puis pour finir nous avons fait affronter nos IA entre elles.</a:t>
             </a:r>
           </a:p>
         </p:txBody>
@@ -3438,7 +3458,7 @@
           <a:lstStyle/>
           <a:p>
             <a:r>
-              <a:rPr lang="fr-FR" dirty="0" smtClean="0">
+              <a:rPr lang="fr-FR" dirty="0">
                 <a:solidFill>
                   <a:schemeClr val="bg1"/>
                 </a:solidFill>
@@ -3448,18 +3468,13 @@
           </a:p>
           <a:p>
             <a:r>
-              <a:rPr lang="fr-FR" dirty="0" smtClean="0">
+              <a:rPr lang="fr-FR" dirty="0">
                 <a:solidFill>
                   <a:schemeClr val="bg1"/>
                 </a:solidFill>
               </a:rPr>
               <a:t>Nous avons aussi implémenté des classes afin de contenir les différents aspects du jeu.</a:t>
             </a:r>
-            <a:endParaRPr lang="fr-FR" dirty="0">
-              <a:solidFill>
-                <a:schemeClr val="bg1"/>
-              </a:solidFill>
-            </a:endParaRPr>
           </a:p>
         </p:txBody>
       </p:sp>

--- a/RETEX/projet lowatem.pptx
+++ b/RETEX/projet lowatem.pptx
@@ -241,7 +241,7 @@
           <a:p>
             <a:fld id="{CB44C220-8036-4CA1-9847-CBEE47DB7BC6}" type="datetimeFigureOut">
               <a:rPr lang="fr-FR" smtClean="0"/>
-              <a:t>12/04/2022</a:t>
+              <a:t>13/04/2022</a:t>
             </a:fld>
             <a:endParaRPr lang="fr-FR"/>
           </a:p>
@@ -409,7 +409,7 @@
           <a:p>
             <a:fld id="{CB44C220-8036-4CA1-9847-CBEE47DB7BC6}" type="datetimeFigureOut">
               <a:rPr lang="fr-FR" smtClean="0"/>
-              <a:t>12/04/2022</a:t>
+              <a:t>13/04/2022</a:t>
             </a:fld>
             <a:endParaRPr lang="fr-FR"/>
           </a:p>
@@ -587,7 +587,7 @@
           <a:p>
             <a:fld id="{CB44C220-8036-4CA1-9847-CBEE47DB7BC6}" type="datetimeFigureOut">
               <a:rPr lang="fr-FR" smtClean="0"/>
-              <a:t>12/04/2022</a:t>
+              <a:t>13/04/2022</a:t>
             </a:fld>
             <a:endParaRPr lang="fr-FR"/>
           </a:p>
@@ -755,7 +755,7 @@
           <a:p>
             <a:fld id="{CB44C220-8036-4CA1-9847-CBEE47DB7BC6}" type="datetimeFigureOut">
               <a:rPr lang="fr-FR" smtClean="0"/>
-              <a:t>12/04/2022</a:t>
+              <a:t>13/04/2022</a:t>
             </a:fld>
             <a:endParaRPr lang="fr-FR"/>
           </a:p>
@@ -1000,7 +1000,7 @@
           <a:p>
             <a:fld id="{CB44C220-8036-4CA1-9847-CBEE47DB7BC6}" type="datetimeFigureOut">
               <a:rPr lang="fr-FR" smtClean="0"/>
-              <a:t>12/04/2022</a:t>
+              <a:t>13/04/2022</a:t>
             </a:fld>
             <a:endParaRPr lang="fr-FR"/>
           </a:p>
@@ -1229,7 +1229,7 @@
           <a:p>
             <a:fld id="{CB44C220-8036-4CA1-9847-CBEE47DB7BC6}" type="datetimeFigureOut">
               <a:rPr lang="fr-FR" smtClean="0"/>
-              <a:t>12/04/2022</a:t>
+              <a:t>13/04/2022</a:t>
             </a:fld>
             <a:endParaRPr lang="fr-FR"/>
           </a:p>
@@ -1593,7 +1593,7 @@
           <a:p>
             <a:fld id="{CB44C220-8036-4CA1-9847-CBEE47DB7BC6}" type="datetimeFigureOut">
               <a:rPr lang="fr-FR" smtClean="0"/>
-              <a:t>12/04/2022</a:t>
+              <a:t>13/04/2022</a:t>
             </a:fld>
             <a:endParaRPr lang="fr-FR"/>
           </a:p>
@@ -1710,7 +1710,7 @@
           <a:p>
             <a:fld id="{CB44C220-8036-4CA1-9847-CBEE47DB7BC6}" type="datetimeFigureOut">
               <a:rPr lang="fr-FR" smtClean="0"/>
-              <a:t>12/04/2022</a:t>
+              <a:t>13/04/2022</a:t>
             </a:fld>
             <a:endParaRPr lang="fr-FR"/>
           </a:p>
@@ -1805,7 +1805,7 @@
           <a:p>
             <a:fld id="{CB44C220-8036-4CA1-9847-CBEE47DB7BC6}" type="datetimeFigureOut">
               <a:rPr lang="fr-FR" smtClean="0"/>
-              <a:t>12/04/2022</a:t>
+              <a:t>13/04/2022</a:t>
             </a:fld>
             <a:endParaRPr lang="fr-FR"/>
           </a:p>
@@ -2080,7 +2080,7 @@
           <a:p>
             <a:fld id="{CB44C220-8036-4CA1-9847-CBEE47DB7BC6}" type="datetimeFigureOut">
               <a:rPr lang="fr-FR" smtClean="0"/>
-              <a:t>12/04/2022</a:t>
+              <a:t>13/04/2022</a:t>
             </a:fld>
             <a:endParaRPr lang="fr-FR"/>
           </a:p>
@@ -2332,7 +2332,7 @@
           <a:p>
             <a:fld id="{CB44C220-8036-4CA1-9847-CBEE47DB7BC6}" type="datetimeFigureOut">
               <a:rPr lang="fr-FR" smtClean="0"/>
-              <a:t>12/04/2022</a:t>
+              <a:t>13/04/2022</a:t>
             </a:fld>
             <a:endParaRPr lang="fr-FR"/>
           </a:p>
@@ -2543,7 +2543,7 @@
           <a:p>
             <a:fld id="{CB44C220-8036-4CA1-9847-CBEE47DB7BC6}" type="datetimeFigureOut">
               <a:rPr lang="fr-FR" smtClean="0"/>
-              <a:t>12/04/2022</a:t>
+              <a:t>13/04/2022</a:t>
             </a:fld>
             <a:endParaRPr lang="fr-FR"/>
           </a:p>
@@ -3054,7 +3054,7 @@
           </a:p>
         </p:txBody>
       </p:sp>
-      <p:sp useBgFill="1">
+      <p:sp>
         <p:nvSpPr>
           <p:cNvPr id="6" name="Rectangle 5"/>
           <p:cNvSpPr/>
@@ -3068,6 +3068,7 @@
           <a:prstGeom prst="rect">
             <a:avLst/>
           </a:prstGeom>
+          <a:noFill/>
         </p:spPr>
         <p:txBody>
           <a:bodyPr wrap="square">
@@ -3093,7 +3094,7 @@
           </a:p>
         </p:txBody>
       </p:sp>
-      <p:sp useBgFill="1">
+      <p:sp>
         <p:nvSpPr>
           <p:cNvPr id="7" name="Rectangle 6"/>
           <p:cNvSpPr/>
@@ -3107,6 +3108,7 @@
           <a:prstGeom prst="rect">
             <a:avLst/>
           </a:prstGeom>
+          <a:noFill/>
         </p:spPr>
         <p:txBody>
           <a:bodyPr wrap="square">
@@ -3352,8 +3354,8 @@
         </p:blipFill>
         <p:spPr bwMode="auto">
           <a:xfrm>
-            <a:off x="21236" y="3914293"/>
-            <a:ext cx="3221875" cy="2147916"/>
+            <a:off x="3534589" y="5262489"/>
+            <a:ext cx="2393264" cy="1595509"/>
           </a:xfrm>
           <a:prstGeom prst="rect">
             <a:avLst/>
@@ -3385,7 +3387,7 @@
         <p:spPr>
           <a:xfrm>
             <a:off x="-24483" y="863348"/>
-            <a:ext cx="6115574" cy="1754326"/>
+            <a:ext cx="6115574" cy="2031325"/>
           </a:xfrm>
           <a:prstGeom prst="rect">
             <a:avLst/>
@@ -3404,8 +3406,23 @@
                   <a:schemeClr val="bg1"/>
                 </a:solidFill>
               </a:rPr>
-              <a:t>Au cours de la première partie ce projet nous devions réaliser un jeu de plateau sous Java.</a:t>
-            </a:r>
+              <a:t>Au cours de la première partie ce projet nous devions réaliser un jeu de plateau sous Java</a:t>
+            </a:r>
+            <a:r>
+              <a:rPr lang="fr-FR" dirty="0" smtClean="0">
+                <a:solidFill>
+                  <a:schemeClr val="bg1"/>
+                </a:solidFill>
+              </a:rPr>
+              <a:t>.</a:t>
+            </a:r>
+          </a:p>
+          <a:p>
+            <a:endParaRPr lang="fr-FR" dirty="0">
+              <a:solidFill>
+                <a:schemeClr val="bg1"/>
+              </a:solidFill>
+            </a:endParaRPr>
           </a:p>
           <a:p>
             <a:r>
@@ -3443,8 +3460,8 @@
         </p:nvSpPr>
         <p:spPr>
           <a:xfrm>
-            <a:off x="6136810" y="863348"/>
-            <a:ext cx="6115574" cy="1200329"/>
+            <a:off x="6164578" y="1138453"/>
+            <a:ext cx="6115574" cy="1754326"/>
           </a:xfrm>
           <a:prstGeom prst="rect">
             <a:avLst/>
@@ -3463,8 +3480,30 @@
                   <a:schemeClr val="bg1"/>
                 </a:solidFill>
               </a:rPr>
-              <a:t>Lors de ce projet nous avons mis en place beaucoup de test unitaire afin d’assurer le bon fonctionnement du jeu.</a:t>
-            </a:r>
+              <a:t>Lors de ce projet nous avons mis en place beaucoup de test unitaire afin d’assurer le bon fonctionnement du jeu</a:t>
+            </a:r>
+            <a:r>
+              <a:rPr lang="fr-FR" dirty="0" smtClean="0">
+                <a:solidFill>
+                  <a:schemeClr val="bg1"/>
+                </a:solidFill>
+              </a:rPr>
+              <a:t>.</a:t>
+            </a:r>
+          </a:p>
+          <a:p>
+            <a:endParaRPr lang="fr-FR" dirty="0">
+              <a:solidFill>
+                <a:schemeClr val="bg1"/>
+              </a:solidFill>
+            </a:endParaRPr>
+          </a:p>
+          <a:p>
+            <a:endParaRPr lang="fr-FR" dirty="0">
+              <a:solidFill>
+                <a:schemeClr val="bg1"/>
+              </a:solidFill>
+            </a:endParaRPr>
           </a:p>
           <a:p>
             <a:r>
@@ -3480,14 +3519,14 @@
       </p:sp>
       <p:pic>
         <p:nvPicPr>
-          <p:cNvPr id="2" name="Picture 2" descr="NetBeans — Wikipédia"/>
+          <p:cNvPr id="3" name="Picture 2" descr="Apache NetBeans on Twitter: &quot;Apache NetBeans IDE, free and open source,  visit https://t.co/EMZCi19yLg. https://t.co/39k3kg9XU7&quot; / Twitter"/>
           <p:cNvPicPr>
             <a:picLocks noChangeAspect="1" noChangeArrowheads="1"/>
           </p:cNvPicPr>
           <p:nvPr/>
         </p:nvPicPr>
         <p:blipFill>
-          <a:blip r:embed="rId5" cstate="print">
+          <a:blip r:embed="rId5">
             <a:extLst>
               <a:ext uri="{28A0092B-C50C-407E-A947-70E740481C1C}">
                 <a14:useLocalDpi xmlns:a14="http://schemas.microsoft.com/office/drawing/2010/main" val="0"/>
@@ -3501,8 +3540,8 @@
         </p:blipFill>
         <p:spPr bwMode="auto">
           <a:xfrm>
-            <a:off x="3654604" y="4033909"/>
-            <a:ext cx="2311854" cy="2667302"/>
+            <a:off x="-87742" y="5614386"/>
+            <a:ext cx="3610090" cy="1262367"/>
           </a:xfrm>
           <a:prstGeom prst="rect">
             <a:avLst/>
@@ -3519,6 +3558,98 @@
           </a:extLst>
         </p:spPr>
       </p:pic>
+      <p:sp>
+        <p:nvSpPr>
+          <p:cNvPr id="16" name="ZoneTexte 15">
+            <a:extLst>
+              <a:ext uri="{FF2B5EF4-FFF2-40B4-BE49-F238E27FC236}">
+                <a16:creationId xmlns:a16="http://schemas.microsoft.com/office/drawing/2014/main" id="{1069F7B1-9B36-4A96-AE73-0B993525F358}"/>
+              </a:ext>
+            </a:extLst>
+          </p:cNvPr>
+          <p:cNvSpPr txBox="1"/>
+          <p:nvPr/>
+        </p:nvSpPr>
+        <p:spPr>
+          <a:xfrm>
+            <a:off x="-11410" y="4043220"/>
+            <a:ext cx="6115574" cy="646331"/>
+          </a:xfrm>
+          <a:prstGeom prst="rect">
+            <a:avLst/>
+          </a:prstGeom>
+          <a:noFill/>
+        </p:spPr>
+        <p:txBody>
+          <a:bodyPr wrap="square">
+            <a:spAutoFit/>
+          </a:bodyPr>
+          <a:lstStyle/>
+          <a:p>
+            <a:r>
+              <a:rPr lang="fr-FR" dirty="0" smtClean="0">
+                <a:solidFill>
+                  <a:schemeClr val="bg1"/>
+                </a:solidFill>
+              </a:rPr>
+              <a:t>Pour ce projet j’ai utilisé le langage de programmation </a:t>
+            </a:r>
+            <a:r>
+              <a:rPr lang="fr-FR" b="1" u="sng" dirty="0" smtClean="0">
+                <a:solidFill>
+                  <a:schemeClr val="bg1"/>
+                </a:solidFill>
+              </a:rPr>
+              <a:t>Java</a:t>
+            </a:r>
+            <a:r>
+              <a:rPr lang="fr-FR" dirty="0" smtClean="0">
+                <a:solidFill>
+                  <a:schemeClr val="bg1"/>
+                </a:solidFill>
+              </a:rPr>
+              <a:t> sur l’interface de développement </a:t>
+            </a:r>
+            <a:r>
+              <a:rPr lang="fr-FR" b="1" u="sng" dirty="0" smtClean="0">
+                <a:solidFill>
+                  <a:schemeClr val="bg1"/>
+                </a:solidFill>
+              </a:rPr>
+              <a:t>Apache </a:t>
+            </a:r>
+            <a:r>
+              <a:rPr lang="fr-FR" b="1" u="sng" dirty="0" err="1" smtClean="0">
+                <a:solidFill>
+                  <a:schemeClr val="bg1"/>
+                </a:solidFill>
+              </a:rPr>
+              <a:t>NetBeans</a:t>
+            </a:r>
+            <a:r>
+              <a:rPr lang="fr-FR" b="1" u="sng" dirty="0" smtClean="0">
+                <a:solidFill>
+                  <a:schemeClr val="bg1"/>
+                </a:solidFill>
+              </a:rPr>
+              <a:t> IDE</a:t>
+            </a:r>
+            <a:r>
+              <a:rPr lang="fr-FR" dirty="0" smtClean="0">
+                <a:solidFill>
+                  <a:schemeClr val="bg1"/>
+                </a:solidFill>
+              </a:rPr>
+              <a:t>.</a:t>
+            </a:r>
+            <a:endParaRPr lang="fr-FR" dirty="0">
+              <a:solidFill>
+                <a:schemeClr val="bg1"/>
+              </a:solidFill>
+            </a:endParaRPr>
+          </a:p>
+        </p:txBody>
+      </p:sp>
     </p:spTree>
     <p:extLst>
       <p:ext uri="{BB962C8B-B14F-4D97-AF65-F5344CB8AC3E}">
